--- a/slides/lecture7.pptx
+++ b/slides/lecture7.pptx
@@ -221,7 +221,7 @@
           <a:p>
             <a:fld id="{C5CF7C78-A87B-9B4D-A9D1-7364E5DA120C}" type="datetime1">
               <a:rPr lang="en-US" smtClean="0"/>
-              <a:t>2/11/21</a:t>
+              <a:t>2/12/21</a:t>
             </a:fld>
             <a:endParaRPr lang="en-US"/>
           </a:p>
@@ -387,7 +387,7 @@
           <a:p>
             <a:fld id="{7AAA2943-DE60-F34D-A49E-8FF3146C7A9A}" type="datetime1">
               <a:rPr lang="en-US" smtClean="0"/>
-              <a:t>2/11/21</a:t>
+              <a:t>2/12/21</a:t>
             </a:fld>
             <a:endParaRPr lang="en-US"/>
           </a:p>
@@ -1265,7 +1265,7 @@
           <a:p>
             <a:fld id="{3268F7F9-70EC-BD49-8928-7CB170F9795A}" type="datetime1">
               <a:rPr lang="en-US" smtClean="0"/>
-              <a:t>2/11/21</a:t>
+              <a:t>2/12/21</a:t>
             </a:fld>
             <a:endParaRPr lang="en-US"/>
           </a:p>
@@ -1376,7 +1376,7 @@
           <a:p>
             <a:fld id="{148EBF9C-0147-DE49-BEBF-5601345D794C}" type="datetime1">
               <a:rPr lang="en-US" smtClean="0"/>
-              <a:t>2/11/21</a:t>
+              <a:t>2/12/21</a:t>
             </a:fld>
             <a:endParaRPr lang="en-US" dirty="0"/>
           </a:p>
@@ -1881,7 +1881,7 @@
           <a:p>
             <a:fld id="{5220C52D-8C02-5E4D-9426-D1EE2725AF8B}" type="datetime1">
               <a:rPr lang="en-US" smtClean="0"/>
-              <a:t>2/11/21</a:t>
+              <a:t>2/12/21</a:t>
             </a:fld>
             <a:endParaRPr lang="en-US"/>
           </a:p>
@@ -2381,7 +2381,7 @@
           <a:p>
             <a:fld id="{AF953D56-53FA-064E-AAF8-1376460A6387}" type="datetime1">
               <a:rPr lang="en-US" smtClean="0"/>
-              <a:t>2/11/21</a:t>
+              <a:t>2/12/21</a:t>
             </a:fld>
             <a:endParaRPr lang="en-US"/>
           </a:p>
@@ -2583,7 +2583,7 @@
           <a:p>
             <a:fld id="{6B01A23A-B960-2540-B8F5-FE58184F77E8}" type="datetime1">
               <a:rPr lang="en-US" smtClean="0"/>
-              <a:t>2/11/21</a:t>
+              <a:t>2/12/21</a:t>
             </a:fld>
             <a:endParaRPr lang="en-US"/>
           </a:p>
@@ -2699,7 +2699,7 @@
           <a:p>
             <a:fld id="{5FA2E91B-46B4-4840-8C61-93A81CE7D388}" type="datetime1">
               <a:rPr lang="en-US" smtClean="0"/>
-              <a:t>2/11/21</a:t>
+              <a:t>2/12/21</a:t>
             </a:fld>
             <a:endParaRPr lang="en-US"/>
           </a:p>
@@ -2995,7 +2995,7 @@
           <a:p>
             <a:fld id="{F4512308-29C4-F544-A0F1-FBC3C4067138}" type="datetime1">
               <a:rPr lang="en-US" smtClean="0"/>
-              <a:t>2/11/21</a:t>
+              <a:t>2/12/21</a:t>
             </a:fld>
             <a:endParaRPr lang="en-US"/>
           </a:p>
@@ -3263,7 +3263,7 @@
           <a:p>
             <a:fld id="{786C1DF2-18E9-F140-80E5-AA07E724E416}" type="datetime1">
               <a:rPr lang="en-US" smtClean="0"/>
-              <a:t>2/11/21</a:t>
+              <a:t>2/12/21</a:t>
             </a:fld>
             <a:endParaRPr lang="en-US"/>
           </a:p>
@@ -3447,7 +3447,7 @@
           <a:p>
             <a:fld id="{60EDF656-61DC-9A42-8D01-12AB0AEA89CE}" type="datetime1">
               <a:rPr lang="en-US" smtClean="0"/>
-              <a:t>2/11/21</a:t>
+              <a:t>2/12/21</a:t>
             </a:fld>
             <a:endParaRPr lang="en-US"/>
           </a:p>
@@ -4352,21 +4352,29 @@
             <a:pPr lvl="1"/>
             <a:r>
               <a:rPr lang="en-US" dirty="0"/>
-              <a:t>Each group is given 40 minutes to discuss:</a:t>
+              <a:t>Each group is given 40 minutes to discuss budget</a:t>
             </a:r>
           </a:p>
           <a:p>
             <a:pPr lvl="1"/>
             <a:r>
               <a:rPr lang="en-US" dirty="0"/>
-              <a:t>Project name and objective </a:t>
+              <a:t>Each group is assigned a project from last year</a:t>
             </a:r>
           </a:p>
           <a:p>
             <a:pPr lvl="2"/>
             <a:r>
               <a:rPr lang="en-US" dirty="0"/>
-              <a:t>Try to use others’ ideas, avoiding reusing the same one</a:t>
+              <a:t>Watch the </a:t>
+            </a:r>
+            <a:r>
+              <a:rPr lang="en-US" dirty="0" err="1"/>
+              <a:t>Youtube</a:t>
+            </a:r>
+            <a:r>
+              <a:rPr lang="en-US" dirty="0"/>
+              <a:t> in the excel sheet</a:t>
             </a:r>
           </a:p>
           <a:p>
